--- a/HTMLForm/sFormStep.pptx
+++ b/HTMLForm/sFormStep.pptx
@@ -213,7 +213,7 @@
             <a:fld id="{A0A1725C-527F-41D9-8C5E-0E64BCF9CADF}" type="datetimeFigureOut">
               <a:rPr lang="zh-TW" altLang="en-US" smtClean="0"/>
               <a:pPr/>
-              <a:t>2018/2/23</a:t>
+              <a:t>2019/7/18</a:t>
             </a:fld>
             <a:endParaRPr lang="zh-TW" altLang="en-US"/>
           </a:p>
@@ -1791,7 +1791,7 @@
             <a:fld id="{A88288D5-6C71-4C06-8354-2F073700F0F0}" type="datetime1">
               <a:rPr lang="zh-TW" altLang="en-US" smtClean="0"/>
               <a:pPr/>
-              <a:t>2018/2/23</a:t>
+              <a:t>2019/7/18</a:t>
             </a:fld>
             <a:endParaRPr lang="zh-TW" altLang="en-US"/>
           </a:p>
@@ -4705,7 +4705,7 @@
             <a:fld id="{5225DE44-2FDD-46D5-A51E-BEE9568C8B75}" type="datetime1">
               <a:rPr lang="zh-TW" altLang="en-US" smtClean="0"/>
               <a:pPr/>
-              <a:t>2018/2/23</a:t>
+              <a:t>2019/7/18</a:t>
             </a:fld>
             <a:endParaRPr lang="zh-TW" altLang="en-US"/>
           </a:p>
@@ -4971,7 +4971,7 @@
             <a:fld id="{629A4568-D3E1-4A24-A38A-DA3330C20CB2}" type="datetime1">
               <a:rPr lang="zh-TW" altLang="en-US" smtClean="0"/>
               <a:pPr/>
-              <a:t>2018/2/23</a:t>
+              <a:t>2019/7/18</a:t>
             </a:fld>
             <a:endParaRPr lang="zh-TW" altLang="en-US"/>
           </a:p>
@@ -5150,7 +5150,7 @@
             <a:fld id="{1CFD9235-7626-4309-87C7-AB2FBF5DF170}" type="datetime1">
               <a:rPr lang="zh-TW" altLang="en-US" smtClean="0"/>
               <a:pPr/>
-              <a:t>2018/2/23</a:t>
+              <a:t>2019/7/18</a:t>
             </a:fld>
             <a:endParaRPr lang="zh-TW" altLang="en-US"/>
           </a:p>
@@ -5339,7 +5339,7 @@
             <a:fld id="{19C3EB65-30FC-45D9-B20A-9EB8A988B4F7}" type="datetime1">
               <a:rPr lang="zh-TW" altLang="en-US" smtClean="0"/>
               <a:pPr/>
-              <a:t>2018/2/23</a:t>
+              <a:t>2019/7/18</a:t>
             </a:fld>
             <a:endParaRPr lang="zh-TW" altLang="en-US"/>
           </a:p>
@@ -6863,7 +6863,7 @@
             <a:fld id="{A9992B6A-DBF2-4CDC-A088-BF2A58A88CDF}" type="datetime1">
               <a:rPr lang="zh-TW" altLang="en-US" smtClean="0"/>
               <a:pPr/>
-              <a:t>2018/2/23</a:t>
+              <a:t>2019/7/18</a:t>
             </a:fld>
             <a:endParaRPr lang="zh-TW" altLang="en-US"/>
           </a:p>
@@ -13276,7 +13276,7 @@
             <a:fld id="{14758A13-80AC-41CF-B9E6-36072E833368}" type="datetime1">
               <a:rPr lang="zh-TW" altLang="en-US" smtClean="0"/>
               <a:pPr/>
-              <a:t>2018/2/23</a:t>
+              <a:t>2019/7/18</a:t>
             </a:fld>
             <a:endParaRPr lang="zh-TW" altLang="en-US"/>
           </a:p>
@@ -13477,7 +13477,7 @@
             <a:fld id="{F72FCA40-EACF-420D-99A7-43DD1F7A7683}" type="datetime1">
               <a:rPr lang="zh-TW" altLang="en-US" smtClean="0"/>
               <a:pPr/>
-              <a:t>2018/2/23</a:t>
+              <a:t>2019/7/18</a:t>
             </a:fld>
             <a:endParaRPr lang="zh-TW" altLang="en-US"/>
           </a:p>
@@ -13774,7 +13774,7 @@
             <a:fld id="{38EA8685-1B44-49EC-8B22-7EB300F3DDD2}" type="datetime1">
               <a:rPr lang="zh-TW" altLang="en-US" smtClean="0"/>
               <a:pPr/>
-              <a:t>2018/2/23</a:t>
+              <a:t>2019/7/18</a:t>
             </a:fld>
             <a:endParaRPr lang="zh-TW" altLang="en-US"/>
           </a:p>
@@ -14210,7 +14210,7 @@
             <a:fld id="{363018B8-F72B-4930-B949-4F9C38CAD6C1}" type="datetime1">
               <a:rPr lang="zh-TW" altLang="en-US" smtClean="0"/>
               <a:pPr/>
-              <a:t>2018/2/23</a:t>
+              <a:t>2019/7/18</a:t>
             </a:fld>
             <a:endParaRPr lang="zh-TW" altLang="en-US"/>
           </a:p>
@@ -14337,7 +14337,7 @@
             <a:fld id="{CF848C2F-C7A3-468A-8F71-4E0D161FE949}" type="datetime1">
               <a:rPr lang="zh-TW" altLang="en-US" smtClean="0"/>
               <a:pPr/>
-              <a:t>2018/2/23</a:t>
+              <a:t>2019/7/18</a:t>
             </a:fld>
             <a:endParaRPr lang="zh-TW" altLang="en-US"/>
           </a:p>
@@ -14441,7 +14441,7 @@
             <a:fld id="{D9C8FD4A-DB0E-40CD-9D4B-E6F8C55C5581}" type="datetime1">
               <a:rPr lang="zh-TW" altLang="en-US" smtClean="0"/>
               <a:pPr/>
-              <a:t>2018/2/23</a:t>
+              <a:t>2019/7/18</a:t>
             </a:fld>
             <a:endParaRPr lang="zh-TW" altLang="en-US"/>
           </a:p>
@@ -15969,7 +15969,7 @@
             <a:fld id="{2B5AA901-6457-405F-B175-E5F47D5034CB}" type="datetime1">
               <a:rPr lang="zh-TW" altLang="en-US" smtClean="0"/>
               <a:pPr/>
-              <a:t>2018/2/23</a:t>
+              <a:t>2019/7/18</a:t>
             </a:fld>
             <a:endParaRPr lang="zh-TW" altLang="en-US"/>
           </a:p>
@@ -19170,7 +19170,6 @@
               <a:rPr lang="en-US" altLang="zh-TW" dirty="0" smtClean="0"/>
               <a:t>ID</a:t>
             </a:r>
-            <a:endParaRPr lang="en-US" altLang="zh-TW" dirty="0" smtClean="0"/>
           </a:p>
           <a:p>
             <a:r>
@@ -19457,7 +19456,6 @@
               <a:rPr lang="en-US" altLang="zh-TW" dirty="0" smtClean="0"/>
               <a:t>ID </a:t>
             </a:r>
-            <a:endParaRPr lang="en-US" altLang="zh-TW" dirty="0" smtClean="0"/>
           </a:p>
         </p:txBody>
       </p:sp>
@@ -19700,7 +19698,6 @@
               <a:rPr lang="en-US" altLang="zh-TW" sz="1400" dirty="0"/>
               <a:t>script&gt;</a:t>
             </a:r>
-            <a:endParaRPr lang="en-US" altLang="zh-TW" sz="1400" dirty="0"/>
           </a:p>
         </p:txBody>
       </p:sp>
